--- a/Projektdefinitionen.pptx
+++ b/Projektdefinitionen.pptx
@@ -12,6 +12,12 @@
     <p:sldId id="260" r:id="rId6"/>
     <p:sldId id="261" r:id="rId7"/>
     <p:sldId id="262" r:id="rId8"/>
+    <p:sldId id="263" r:id="rId9"/>
+    <p:sldId id="268" r:id="rId10"/>
+    <p:sldId id="264" r:id="rId11"/>
+    <p:sldId id="265" r:id="rId12"/>
+    <p:sldId id="266" r:id="rId13"/>
+    <p:sldId id="267" r:id="rId14"/>
   </p:sldIdLst>
   <p:sldSz cx="12192000" cy="6858000"/>
   <p:notesSz cx="6858000" cy="9144000"/>
@@ -110,6 +116,11 @@
       </a:defRPr>
     </a:lvl9pPr>
   </p:defaultTextStyle>
+  <p:extLst>
+    <p:ext uri="{EFAFB233-063F-42B5-8137-9DF3F51BA10A}">
+      <p15:sldGuideLst xmlns:p15="http://schemas.microsoft.com/office/powerpoint/2012/main"/>
+    </p:ext>
+  </p:extLst>
 </p:presentation>
 </file>
 
@@ -260,7 +271,7 @@
           <a:p>
             <a:fld id="{B1F45D25-47E6-442A-A192-0392F66D8E74}" type="datetimeFigureOut">
               <a:rPr lang="de-DE" smtClean="0"/>
-              <a:t>12.01.2026</a:t>
+              <a:t>13.01.2026</a:t>
             </a:fld>
             <a:endParaRPr lang="de-DE"/>
           </a:p>
@@ -458,7 +469,7 @@
           <a:p>
             <a:fld id="{B1F45D25-47E6-442A-A192-0392F66D8E74}" type="datetimeFigureOut">
               <a:rPr lang="de-DE" smtClean="0"/>
-              <a:t>12.01.2026</a:t>
+              <a:t>13.01.2026</a:t>
             </a:fld>
             <a:endParaRPr lang="de-DE"/>
           </a:p>
@@ -666,7 +677,7 @@
           <a:p>
             <a:fld id="{B1F45D25-47E6-442A-A192-0392F66D8E74}" type="datetimeFigureOut">
               <a:rPr lang="de-DE" smtClean="0"/>
-              <a:t>12.01.2026</a:t>
+              <a:t>13.01.2026</a:t>
             </a:fld>
             <a:endParaRPr lang="de-DE"/>
           </a:p>
@@ -864,7 +875,7 @@
           <a:p>
             <a:fld id="{B1F45D25-47E6-442A-A192-0392F66D8E74}" type="datetimeFigureOut">
               <a:rPr lang="de-DE" smtClean="0"/>
-              <a:t>12.01.2026</a:t>
+              <a:t>13.01.2026</a:t>
             </a:fld>
             <a:endParaRPr lang="de-DE"/>
           </a:p>
@@ -1139,7 +1150,7 @@
           <a:p>
             <a:fld id="{B1F45D25-47E6-442A-A192-0392F66D8E74}" type="datetimeFigureOut">
               <a:rPr lang="de-DE" smtClean="0"/>
-              <a:t>12.01.2026</a:t>
+              <a:t>13.01.2026</a:t>
             </a:fld>
             <a:endParaRPr lang="de-DE"/>
           </a:p>
@@ -1404,7 +1415,7 @@
           <a:p>
             <a:fld id="{B1F45D25-47E6-442A-A192-0392F66D8E74}" type="datetimeFigureOut">
               <a:rPr lang="de-DE" smtClean="0"/>
-              <a:t>12.01.2026</a:t>
+              <a:t>13.01.2026</a:t>
             </a:fld>
             <a:endParaRPr lang="de-DE"/>
           </a:p>
@@ -1816,7 +1827,7 @@
           <a:p>
             <a:fld id="{B1F45D25-47E6-442A-A192-0392F66D8E74}" type="datetimeFigureOut">
               <a:rPr lang="de-DE" smtClean="0"/>
-              <a:t>12.01.2026</a:t>
+              <a:t>13.01.2026</a:t>
             </a:fld>
             <a:endParaRPr lang="de-DE"/>
           </a:p>
@@ -1957,7 +1968,7 @@
           <a:p>
             <a:fld id="{B1F45D25-47E6-442A-A192-0392F66D8E74}" type="datetimeFigureOut">
               <a:rPr lang="de-DE" smtClean="0"/>
-              <a:t>12.01.2026</a:t>
+              <a:t>13.01.2026</a:t>
             </a:fld>
             <a:endParaRPr lang="de-DE"/>
           </a:p>
@@ -2070,7 +2081,7 @@
           <a:p>
             <a:fld id="{B1F45D25-47E6-442A-A192-0392F66D8E74}" type="datetimeFigureOut">
               <a:rPr lang="de-DE" smtClean="0"/>
-              <a:t>12.01.2026</a:t>
+              <a:t>13.01.2026</a:t>
             </a:fld>
             <a:endParaRPr lang="de-DE"/>
           </a:p>
@@ -2381,7 +2392,7 @@
           <a:p>
             <a:fld id="{B1F45D25-47E6-442A-A192-0392F66D8E74}" type="datetimeFigureOut">
               <a:rPr lang="de-DE" smtClean="0"/>
-              <a:t>12.01.2026</a:t>
+              <a:t>13.01.2026</a:t>
             </a:fld>
             <a:endParaRPr lang="de-DE"/>
           </a:p>
@@ -2669,7 +2680,7 @@
           <a:p>
             <a:fld id="{B1F45D25-47E6-442A-A192-0392F66D8E74}" type="datetimeFigureOut">
               <a:rPr lang="de-DE" smtClean="0"/>
-              <a:t>12.01.2026</a:t>
+              <a:t>13.01.2026</a:t>
             </a:fld>
             <a:endParaRPr lang="de-DE"/>
           </a:p>
@@ -2910,7 +2921,7 @@
           <a:p>
             <a:fld id="{B1F45D25-47E6-442A-A192-0392F66D8E74}" type="datetimeFigureOut">
               <a:rPr lang="de-DE" smtClean="0"/>
-              <a:t>12.01.2026</a:t>
+              <a:t>13.01.2026</a:t>
             </a:fld>
             <a:endParaRPr lang="de-DE"/>
           </a:p>
@@ -3447,6 +3458,614 @@
 </p:sld>
 </file>
 
+<file path=ppt/slides/slide10.xml><?xml version="1.0" encoding="utf-8"?>
+<p:sld xmlns:a="http://schemas.openxmlformats.org/drawingml/2006/main" xmlns:r="http://schemas.openxmlformats.org/officeDocument/2006/relationships" xmlns:p="http://schemas.openxmlformats.org/presentationml/2006/main">
+  <p:cSld>
+    <p:bg>
+      <p:bgPr>
+        <a:solidFill>
+          <a:schemeClr val="accent5">
+            <a:lumMod val="20000"/>
+            <a:lumOff val="80000"/>
+          </a:schemeClr>
+        </a:solidFill>
+        <a:effectLst/>
+      </p:bgPr>
+    </p:bg>
+    <p:spTree>
+      <p:nvGrpSpPr>
+        <p:cNvPr id="1" name="">
+          <a:extLst>
+            <a:ext uri="{FF2B5EF4-FFF2-40B4-BE49-F238E27FC236}">
+              <a16:creationId xmlns:a16="http://schemas.microsoft.com/office/drawing/2014/main" id="{6C1C9827-B091-BBA3-0BBC-823F89E33DF7}"/>
+            </a:ext>
+          </a:extLst>
+        </p:cNvPr>
+        <p:cNvGrpSpPr/>
+        <p:nvPr/>
+      </p:nvGrpSpPr>
+      <p:grpSpPr>
+        <a:xfrm>
+          <a:off x="0" y="0"/>
+          <a:ext cx="0" cy="0"/>
+          <a:chOff x="0" y="0"/>
+          <a:chExt cx="0" cy="0"/>
+        </a:xfrm>
+      </p:grpSpPr>
+      <p:sp>
+        <p:nvSpPr>
+          <p:cNvPr id="2" name="Titel 1">
+            <a:extLst>
+              <a:ext uri="{FF2B5EF4-FFF2-40B4-BE49-F238E27FC236}">
+                <a16:creationId xmlns:a16="http://schemas.microsoft.com/office/drawing/2014/main" id="{110E645A-C51B-16E1-FD86-6B3AC04A27C4}"/>
+              </a:ext>
+            </a:extLst>
+          </p:cNvPr>
+          <p:cNvSpPr>
+            <a:spLocks noGrp="1"/>
+          </p:cNvSpPr>
+          <p:nvPr>
+            <p:ph type="title"/>
+          </p:nvPr>
+        </p:nvSpPr>
+        <p:spPr/>
+        <p:txBody>
+          <a:bodyPr/>
+          <a:lstStyle/>
+          <a:p>
+            <a:r>
+              <a:rPr lang="de-DE" dirty="0"/>
+              <a:t>Rock Paper </a:t>
+            </a:r>
+            <a:r>
+              <a:rPr lang="de-DE" dirty="0" err="1"/>
+              <a:t>Scissors</a:t>
+            </a:r>
+            <a:r>
+              <a:rPr lang="de-DE" dirty="0"/>
+              <a:t> Game</a:t>
+            </a:r>
+            <a:br>
+              <a:rPr lang="de-DE" dirty="0"/>
+            </a:br>
+            <a:r>
+              <a:rPr lang="de-DE" dirty="0"/>
+              <a:t>Verarbeitung</a:t>
+            </a:r>
+          </a:p>
+        </p:txBody>
+      </p:sp>
+      <p:sp>
+        <p:nvSpPr>
+          <p:cNvPr id="3" name="Inhaltsplatzhalter 2">
+            <a:extLst>
+              <a:ext uri="{FF2B5EF4-FFF2-40B4-BE49-F238E27FC236}">
+                <a16:creationId xmlns:a16="http://schemas.microsoft.com/office/drawing/2014/main" id="{C00601D5-A532-BAE5-1319-B576761C3B46}"/>
+              </a:ext>
+            </a:extLst>
+          </p:cNvPr>
+          <p:cNvSpPr>
+            <a:spLocks noGrp="1"/>
+          </p:cNvSpPr>
+          <p:nvPr>
+            <p:ph idx="1"/>
+          </p:nvPr>
+        </p:nvSpPr>
+        <p:spPr/>
+        <p:txBody>
+          <a:bodyPr>
+            <a:normAutofit/>
+          </a:bodyPr>
+          <a:lstStyle/>
+          <a:p>
+            <a:endParaRPr lang="en-US" dirty="0"/>
+          </a:p>
+        </p:txBody>
+      </p:sp>
+    </p:spTree>
+    <p:extLst>
+      <p:ext uri="{BB962C8B-B14F-4D97-AF65-F5344CB8AC3E}">
+        <p14:creationId xmlns:p14="http://schemas.microsoft.com/office/powerpoint/2010/main" val="2252627669"/>
+      </p:ext>
+    </p:extLst>
+  </p:cSld>
+  <p:clrMapOvr>
+    <a:masterClrMapping/>
+  </p:clrMapOvr>
+</p:sld>
+</file>
+
+<file path=ppt/slides/slide11.xml><?xml version="1.0" encoding="utf-8"?>
+<p:sld xmlns:a="http://schemas.openxmlformats.org/drawingml/2006/main" xmlns:r="http://schemas.openxmlformats.org/officeDocument/2006/relationships" xmlns:p="http://schemas.openxmlformats.org/presentationml/2006/main">
+  <p:cSld>
+    <p:bg>
+      <p:bgPr>
+        <a:solidFill>
+          <a:schemeClr val="accent5">
+            <a:lumMod val="20000"/>
+            <a:lumOff val="80000"/>
+          </a:schemeClr>
+        </a:solidFill>
+        <a:effectLst/>
+      </p:bgPr>
+    </p:bg>
+    <p:spTree>
+      <p:nvGrpSpPr>
+        <p:cNvPr id="1" name="">
+          <a:extLst>
+            <a:ext uri="{FF2B5EF4-FFF2-40B4-BE49-F238E27FC236}">
+              <a16:creationId xmlns:a16="http://schemas.microsoft.com/office/drawing/2014/main" id="{4D54FC4A-0CBD-C5BE-B2AF-A1C1D59FB774}"/>
+            </a:ext>
+          </a:extLst>
+        </p:cNvPr>
+        <p:cNvGrpSpPr/>
+        <p:nvPr/>
+      </p:nvGrpSpPr>
+      <p:grpSpPr>
+        <a:xfrm>
+          <a:off x="0" y="0"/>
+          <a:ext cx="0" cy="0"/>
+          <a:chOff x="0" y="0"/>
+          <a:chExt cx="0" cy="0"/>
+        </a:xfrm>
+      </p:grpSpPr>
+      <p:sp>
+        <p:nvSpPr>
+          <p:cNvPr id="2" name="Titel 1">
+            <a:extLst>
+              <a:ext uri="{FF2B5EF4-FFF2-40B4-BE49-F238E27FC236}">
+                <a16:creationId xmlns:a16="http://schemas.microsoft.com/office/drawing/2014/main" id="{76857387-B1FD-F1CC-BB0B-EE0E3F3C883A}"/>
+              </a:ext>
+            </a:extLst>
+          </p:cNvPr>
+          <p:cNvSpPr>
+            <a:spLocks noGrp="1"/>
+          </p:cNvSpPr>
+          <p:nvPr>
+            <p:ph type="title"/>
+          </p:nvPr>
+        </p:nvSpPr>
+        <p:spPr/>
+        <p:txBody>
+          <a:bodyPr/>
+          <a:lstStyle/>
+          <a:p>
+            <a:r>
+              <a:rPr lang="de-DE" dirty="0"/>
+              <a:t>Rock Paper </a:t>
+            </a:r>
+            <a:r>
+              <a:rPr lang="de-DE" dirty="0" err="1"/>
+              <a:t>Scissors</a:t>
+            </a:r>
+            <a:r>
+              <a:rPr lang="de-DE" dirty="0"/>
+              <a:t> Game</a:t>
+            </a:r>
+            <a:br>
+              <a:rPr lang="de-DE" dirty="0"/>
+            </a:br>
+            <a:r>
+              <a:rPr lang="de-DE" dirty="0"/>
+              <a:t>Output</a:t>
+            </a:r>
+          </a:p>
+        </p:txBody>
+      </p:sp>
+      <p:sp>
+        <p:nvSpPr>
+          <p:cNvPr id="3" name="Inhaltsplatzhalter 2">
+            <a:extLst>
+              <a:ext uri="{FF2B5EF4-FFF2-40B4-BE49-F238E27FC236}">
+                <a16:creationId xmlns:a16="http://schemas.microsoft.com/office/drawing/2014/main" id="{6FC3C72B-1C16-3184-EAEC-30FE1BD3604A}"/>
+              </a:ext>
+            </a:extLst>
+          </p:cNvPr>
+          <p:cNvSpPr>
+            <a:spLocks noGrp="1"/>
+          </p:cNvSpPr>
+          <p:nvPr>
+            <p:ph idx="1"/>
+          </p:nvPr>
+        </p:nvSpPr>
+        <p:spPr/>
+        <p:txBody>
+          <a:bodyPr>
+            <a:normAutofit/>
+          </a:bodyPr>
+          <a:lstStyle/>
+          <a:p>
+            <a:endParaRPr lang="en-US" dirty="0"/>
+          </a:p>
+        </p:txBody>
+      </p:sp>
+    </p:spTree>
+    <p:extLst>
+      <p:ext uri="{BB962C8B-B14F-4D97-AF65-F5344CB8AC3E}">
+        <p14:creationId xmlns:p14="http://schemas.microsoft.com/office/powerpoint/2010/main" val="1217599016"/>
+      </p:ext>
+    </p:extLst>
+  </p:cSld>
+  <p:clrMapOvr>
+    <a:masterClrMapping/>
+  </p:clrMapOvr>
+</p:sld>
+</file>
+
+<file path=ppt/slides/slide12.xml><?xml version="1.0" encoding="utf-8"?>
+<p:sld xmlns:a="http://schemas.openxmlformats.org/drawingml/2006/main" xmlns:r="http://schemas.openxmlformats.org/officeDocument/2006/relationships" xmlns:p="http://schemas.openxmlformats.org/presentationml/2006/main">
+  <p:cSld>
+    <p:bg>
+      <p:bgPr>
+        <a:solidFill>
+          <a:schemeClr val="accent2">
+            <a:lumMod val="20000"/>
+            <a:lumOff val="80000"/>
+          </a:schemeClr>
+        </a:solidFill>
+        <a:effectLst/>
+      </p:bgPr>
+    </p:bg>
+    <p:spTree>
+      <p:nvGrpSpPr>
+        <p:cNvPr id="1" name="">
+          <a:extLst>
+            <a:ext uri="{FF2B5EF4-FFF2-40B4-BE49-F238E27FC236}">
+              <a16:creationId xmlns:a16="http://schemas.microsoft.com/office/drawing/2014/main" id="{50F490B7-15F5-2DE1-0E30-6882296E2EFF}"/>
+            </a:ext>
+          </a:extLst>
+        </p:cNvPr>
+        <p:cNvGrpSpPr/>
+        <p:nvPr/>
+      </p:nvGrpSpPr>
+      <p:grpSpPr>
+        <a:xfrm>
+          <a:off x="0" y="0"/>
+          <a:ext cx="0" cy="0"/>
+          <a:chOff x="0" y="0"/>
+          <a:chExt cx="0" cy="0"/>
+        </a:xfrm>
+      </p:grpSpPr>
+      <p:sp>
+        <p:nvSpPr>
+          <p:cNvPr id="2" name="Titel 1">
+            <a:extLst>
+              <a:ext uri="{FF2B5EF4-FFF2-40B4-BE49-F238E27FC236}">
+                <a16:creationId xmlns:a16="http://schemas.microsoft.com/office/drawing/2014/main" id="{62470AC4-84FF-E7FC-260D-D213F842275D}"/>
+              </a:ext>
+            </a:extLst>
+          </p:cNvPr>
+          <p:cNvSpPr>
+            <a:spLocks noGrp="1"/>
+          </p:cNvSpPr>
+          <p:nvPr>
+            <p:ph type="title"/>
+          </p:nvPr>
+        </p:nvSpPr>
+        <p:spPr/>
+        <p:txBody>
+          <a:bodyPr/>
+          <a:lstStyle/>
+          <a:p>
+            <a:r>
+              <a:rPr lang="de-DE" dirty="0"/>
+              <a:t>Pig </a:t>
+            </a:r>
+            <a:r>
+              <a:rPr lang="de-DE" dirty="0" err="1"/>
+              <a:t>Latin</a:t>
+            </a:r>
+            <a:r>
+              <a:rPr lang="de-DE" dirty="0"/>
+              <a:t> Translator</a:t>
+            </a:r>
+            <a:br>
+              <a:rPr lang="de-DE" dirty="0"/>
+            </a:br>
+            <a:r>
+              <a:rPr lang="de-DE" dirty="0" err="1"/>
+              <a:t>Requirements</a:t>
+            </a:r>
+            <a:endParaRPr lang="de-DE" dirty="0"/>
+          </a:p>
+        </p:txBody>
+      </p:sp>
+      <p:sp>
+        <p:nvSpPr>
+          <p:cNvPr id="3" name="Inhaltsplatzhalter 2">
+            <a:extLst>
+              <a:ext uri="{FF2B5EF4-FFF2-40B4-BE49-F238E27FC236}">
+                <a16:creationId xmlns:a16="http://schemas.microsoft.com/office/drawing/2014/main" id="{16538A95-DDA8-491A-7BA9-29C69C28391F}"/>
+              </a:ext>
+            </a:extLst>
+          </p:cNvPr>
+          <p:cNvSpPr>
+            <a:spLocks noGrp="1"/>
+          </p:cNvSpPr>
+          <p:nvPr>
+            <p:ph idx="1"/>
+          </p:nvPr>
+        </p:nvSpPr>
+        <p:spPr/>
+        <p:txBody>
+          <a:bodyPr/>
+          <a:lstStyle/>
+          <a:p>
+            <a:r>
+              <a:rPr lang="en-US" dirty="0"/>
+              <a:t>Das </a:t>
+            </a:r>
+            <a:r>
+              <a:rPr lang="en-US" dirty="0" err="1"/>
+              <a:t>Programm</a:t>
+            </a:r>
+            <a:r>
+              <a:rPr lang="en-US" dirty="0"/>
+              <a:t> </a:t>
+            </a:r>
+            <a:r>
+              <a:rPr lang="en-US" dirty="0" err="1"/>
+              <a:t>nimmt</a:t>
+            </a:r>
+            <a:r>
+              <a:rPr lang="en-US" dirty="0"/>
+              <a:t> den </a:t>
+            </a:r>
+            <a:r>
+              <a:rPr lang="en-US" dirty="0" err="1"/>
+              <a:t>zu</a:t>
+            </a:r>
+            <a:r>
+              <a:rPr lang="en-US" dirty="0"/>
+              <a:t> </a:t>
+            </a:r>
+            <a:r>
+              <a:rPr lang="en-US" dirty="0" err="1"/>
+              <a:t>bersetzenden</a:t>
+            </a:r>
+            <a:r>
+              <a:rPr lang="en-US" dirty="0"/>
+              <a:t> Text </a:t>
+            </a:r>
+            <a:r>
+              <a:rPr lang="en-US" dirty="0" err="1"/>
+              <a:t>als</a:t>
+            </a:r>
+            <a:r>
+              <a:rPr lang="en-US" dirty="0"/>
+              <a:t> </a:t>
+            </a:r>
+            <a:r>
+              <a:rPr lang="en-US" dirty="0" err="1"/>
+              <a:t>Eingabe</a:t>
+            </a:r>
+            <a:r>
+              <a:rPr lang="en-US" dirty="0"/>
+              <a:t> von den </a:t>
+            </a:r>
+            <a:r>
+              <a:rPr lang="en-US" dirty="0" err="1"/>
+              <a:t>Aufruf-Parametern</a:t>
+            </a:r>
+            <a:r>
+              <a:rPr lang="en-US" dirty="0"/>
+              <a:t> (“</a:t>
+            </a:r>
+            <a:r>
+              <a:rPr lang="en-US" b="1" dirty="0" err="1"/>
+              <a:t>process.argv</a:t>
+            </a:r>
+            <a:r>
+              <a:rPr lang="en-US" b="1" dirty="0"/>
+              <a:t>”)</a:t>
+            </a:r>
+            <a:r>
+              <a:rPr lang="en-US" dirty="0"/>
+              <a:t>.</a:t>
+            </a:r>
+          </a:p>
+        </p:txBody>
+      </p:sp>
+    </p:spTree>
+    <p:extLst>
+      <p:ext uri="{BB962C8B-B14F-4D97-AF65-F5344CB8AC3E}">
+        <p14:creationId xmlns:p14="http://schemas.microsoft.com/office/powerpoint/2010/main" val="1894213637"/>
+      </p:ext>
+    </p:extLst>
+  </p:cSld>
+  <p:clrMapOvr>
+    <a:masterClrMapping/>
+  </p:clrMapOvr>
+</p:sld>
+</file>
+
+<file path=ppt/slides/slide13.xml><?xml version="1.0" encoding="utf-8"?>
+<p:sld xmlns:a="http://schemas.openxmlformats.org/drawingml/2006/main" xmlns:r="http://schemas.openxmlformats.org/officeDocument/2006/relationships" xmlns:p="http://schemas.openxmlformats.org/presentationml/2006/main">
+  <p:cSld>
+    <p:bg>
+      <p:bgPr>
+        <a:solidFill>
+          <a:schemeClr val="accent1">
+            <a:lumMod val="20000"/>
+            <a:lumOff val="80000"/>
+          </a:schemeClr>
+        </a:solidFill>
+        <a:effectLst/>
+      </p:bgPr>
+    </p:bg>
+    <p:spTree>
+      <p:nvGrpSpPr>
+        <p:cNvPr id="1" name="">
+          <a:extLst>
+            <a:ext uri="{FF2B5EF4-FFF2-40B4-BE49-F238E27FC236}">
+              <a16:creationId xmlns:a16="http://schemas.microsoft.com/office/drawing/2014/main" id="{CF2D0A44-E348-46D3-555E-C3644405555F}"/>
+            </a:ext>
+          </a:extLst>
+        </p:cNvPr>
+        <p:cNvGrpSpPr/>
+        <p:nvPr/>
+      </p:nvGrpSpPr>
+      <p:grpSpPr>
+        <a:xfrm>
+          <a:off x="0" y="0"/>
+          <a:ext cx="0" cy="0"/>
+          <a:chOff x="0" y="0"/>
+          <a:chExt cx="0" cy="0"/>
+        </a:xfrm>
+      </p:grpSpPr>
+      <p:sp>
+        <p:nvSpPr>
+          <p:cNvPr id="2" name="Titel 1">
+            <a:extLst>
+              <a:ext uri="{FF2B5EF4-FFF2-40B4-BE49-F238E27FC236}">
+                <a16:creationId xmlns:a16="http://schemas.microsoft.com/office/drawing/2014/main" id="{6CECFC48-8E01-0A2E-5249-B181C7E29D4A}"/>
+              </a:ext>
+            </a:extLst>
+          </p:cNvPr>
+          <p:cNvSpPr>
+            <a:spLocks noGrp="1"/>
+          </p:cNvSpPr>
+          <p:nvPr>
+            <p:ph type="title"/>
+          </p:nvPr>
+        </p:nvSpPr>
+        <p:spPr/>
+        <p:txBody>
+          <a:bodyPr/>
+          <a:lstStyle/>
+          <a:p>
+            <a:r>
+              <a:rPr lang="de-DE" dirty="0"/>
+              <a:t>Caesar </a:t>
+            </a:r>
+            <a:r>
+              <a:rPr lang="de-DE" dirty="0" err="1"/>
+              <a:t>Cipher</a:t>
+            </a:r>
+            <a:r>
+              <a:rPr lang="de-DE" dirty="0"/>
+              <a:t> Encryption</a:t>
+            </a:r>
+            <a:br>
+              <a:rPr lang="de-DE" dirty="0"/>
+            </a:br>
+            <a:r>
+              <a:rPr lang="de-DE" dirty="0" err="1"/>
+              <a:t>Requirements</a:t>
+            </a:r>
+            <a:endParaRPr lang="de-DE" dirty="0"/>
+          </a:p>
+        </p:txBody>
+      </p:sp>
+      <p:sp>
+        <p:nvSpPr>
+          <p:cNvPr id="3" name="Inhaltsplatzhalter 2">
+            <a:extLst>
+              <a:ext uri="{FF2B5EF4-FFF2-40B4-BE49-F238E27FC236}">
+                <a16:creationId xmlns:a16="http://schemas.microsoft.com/office/drawing/2014/main" id="{2F8D1FC7-CEDE-9A8B-1EAC-37E0879087F1}"/>
+              </a:ext>
+            </a:extLst>
+          </p:cNvPr>
+          <p:cNvSpPr>
+            <a:spLocks noGrp="1"/>
+          </p:cNvSpPr>
+          <p:nvPr>
+            <p:ph idx="1"/>
+          </p:nvPr>
+        </p:nvSpPr>
+        <p:spPr/>
+        <p:txBody>
+          <a:bodyPr/>
+          <a:lstStyle/>
+          <a:p>
+            <a:r>
+              <a:rPr lang="en-US" dirty="0"/>
+              <a:t>Das </a:t>
+            </a:r>
+            <a:r>
+              <a:rPr lang="en-US" dirty="0" err="1"/>
+              <a:t>Programm</a:t>
+            </a:r>
+            <a:r>
+              <a:rPr lang="en-US" dirty="0"/>
+              <a:t> </a:t>
+            </a:r>
+            <a:r>
+              <a:rPr lang="en-US" dirty="0" err="1"/>
+              <a:t>nimmt</a:t>
+            </a:r>
+            <a:r>
+              <a:rPr lang="en-US" dirty="0"/>
+              <a:t> den </a:t>
+            </a:r>
+            <a:r>
+              <a:rPr lang="en-US" dirty="0" err="1"/>
+              <a:t>zu</a:t>
+            </a:r>
+            <a:r>
+              <a:rPr lang="en-US" dirty="0"/>
+              <a:t> </a:t>
+            </a:r>
+            <a:r>
+              <a:rPr lang="en-US" dirty="0" err="1"/>
+              <a:t>verschlüsselnden</a:t>
+            </a:r>
+            <a:r>
+              <a:rPr lang="en-US" dirty="0"/>
+              <a:t> Text </a:t>
+            </a:r>
+            <a:r>
+              <a:rPr lang="en-US" dirty="0" err="1"/>
+              <a:t>als</a:t>
+            </a:r>
+            <a:r>
+              <a:rPr lang="en-US" dirty="0"/>
+              <a:t> </a:t>
+            </a:r>
+            <a:r>
+              <a:rPr lang="en-US" dirty="0" err="1"/>
+              <a:t>Eingabe</a:t>
+            </a:r>
+            <a:r>
+              <a:rPr lang="en-US" dirty="0"/>
+              <a:t> von den </a:t>
+            </a:r>
+            <a:r>
+              <a:rPr lang="en-US" dirty="0" err="1"/>
+              <a:t>Aufruf-Parametern</a:t>
+            </a:r>
+            <a:r>
+              <a:rPr lang="en-US" dirty="0"/>
+              <a:t> (“</a:t>
+            </a:r>
+            <a:r>
+              <a:rPr lang="en-US" b="1" dirty="0" err="1"/>
+              <a:t>process.argv</a:t>
+            </a:r>
+            <a:r>
+              <a:rPr lang="en-US" b="1" dirty="0"/>
+              <a:t>”)</a:t>
+            </a:r>
+            <a:r>
+              <a:rPr lang="en-US" dirty="0"/>
+              <a:t>.</a:t>
+            </a:r>
+          </a:p>
+        </p:txBody>
+      </p:sp>
+    </p:spTree>
+    <p:extLst>
+      <p:ext uri="{BB962C8B-B14F-4D97-AF65-F5344CB8AC3E}">
+        <p14:creationId xmlns:p14="http://schemas.microsoft.com/office/powerpoint/2010/main" val="874619974"/>
+      </p:ext>
+    </p:extLst>
+  </p:cSld>
+  <p:clrMapOvr>
+    <a:masterClrMapping/>
+  </p:clrMapOvr>
+</p:sld>
+</file>
+
 <file path=ppt/slides/slide2.xml><?xml version="1.0" encoding="utf-8"?>
 <p:sld xmlns:a="http://schemas.openxmlformats.org/drawingml/2006/main" xmlns:r="http://schemas.openxmlformats.org/officeDocument/2006/relationships" xmlns:p="http://schemas.openxmlformats.org/presentationml/2006/main">
   <p:cSld>
@@ -4416,7 +5035,7 @@
             </a:pPr>
             <a:r>
               <a:rPr lang="en-US" dirty="0"/>
-              <a:t>Diese </a:t>
+              <a:t>Eine </a:t>
             </a:r>
             <a:r>
               <a:rPr lang="en-US" dirty="0" err="1"/>
@@ -4483,6 +5102,61 @@
             </a:r>
             <a:r>
               <a:rPr lang="en-US" dirty="0" err="1"/>
+              <a:t>Ganzzahl</a:t>
+            </a:r>
+            <a:r>
+              <a:rPr lang="en-US" dirty="0"/>
+              <a:t> </a:t>
+            </a:r>
+            <a:r>
+              <a:rPr lang="en-US" dirty="0" err="1"/>
+              <a:t>muß</a:t>
+            </a:r>
+            <a:r>
+              <a:rPr lang="en-US" dirty="0"/>
+              <a:t> </a:t>
+            </a:r>
+            <a:r>
+              <a:rPr lang="en-US" dirty="0" err="1"/>
+              <a:t>mit</a:t>
+            </a:r>
+            <a:r>
+              <a:rPr lang="en-US" dirty="0"/>
+              <a:t> dem </a:t>
+            </a:r>
+            <a:r>
+              <a:rPr lang="en-US" dirty="0" err="1"/>
+              <a:t>Spielzug</a:t>
+            </a:r>
+            <a:r>
+              <a:rPr lang="en-US" dirty="0"/>
+              <a:t> </a:t>
+            </a:r>
+            <a:r>
+              <a:rPr lang="en-US" dirty="0" err="1"/>
+              <a:t>assoziiert</a:t>
+            </a:r>
+            <a:r>
+              <a:rPr lang="en-US" dirty="0"/>
+              <a:t> </a:t>
+            </a:r>
+            <a:r>
+              <a:rPr lang="en-US" dirty="0" err="1"/>
+              <a:t>werden</a:t>
+            </a:r>
+            <a:endParaRPr lang="en-US" dirty="0"/>
+          </a:p>
+          <a:p>
+            <a:pPr>
+              <a:buFont typeface="Wingdings" panose="05000000000000000000" pitchFamily="2" charset="2"/>
+              <a:buChar char="Ø"/>
+            </a:pPr>
+            <a:r>
+              <a:rPr lang="en-US" dirty="0"/>
+              <a:t>Die </a:t>
+            </a:r>
+            <a:r>
+              <a:rPr lang="en-US" dirty="0" err="1"/>
               <a:t>Spielzugdefinition</a:t>
             </a:r>
             <a:r>
@@ -4507,7 +5181,7 @@
             </a:r>
             <a:r>
               <a:rPr lang="en-US" dirty="0" err="1"/>
-              <a:t>Ojekt</a:t>
+              <a:t>Objekt</a:t>
             </a:r>
             <a:r>
               <a:rPr lang="en-US" dirty="0"/>
@@ -4519,11 +5193,11 @@
             </a:r>
             <a:r>
               <a:rPr lang="en-US" dirty="0"/>
-              <a:t> der “</a:t>
-            </a:r>
-            <a:r>
-              <a:rPr lang="en-US" dirty="0" err="1"/>
-              <a:t>Ganzzahl</a:t>
+              <a:t> dem “</a:t>
+            </a:r>
+            <a:r>
+              <a:rPr lang="en-US" dirty="0" err="1"/>
+              <a:t>Spielzugnamen</a:t>
             </a:r>
             <a:r>
               <a:rPr lang="en-US" dirty="0"/>
@@ -4535,15 +5209,7 @@
             </a:r>
             <a:r>
               <a:rPr lang="en-US" dirty="0"/>
-              <a:t> index </a:t>
-            </a:r>
-            <a:r>
-              <a:rPr lang="en-US" dirty="0" err="1"/>
-              <a:t>Eigenschaft</a:t>
-            </a:r>
-            <a:r>
-              <a:rPr lang="en-US" dirty="0"/>
-              <a:t> </a:t>
+              <a:t> String </a:t>
             </a:r>
           </a:p>
         </p:txBody>
@@ -5626,8 +6292,8 @@
         </p:nvSpPr>
         <p:spPr>
           <a:xfrm>
-            <a:off x="838200" y="1825625"/>
-            <a:ext cx="3141870" cy="4747452"/>
+            <a:off x="838199" y="1825625"/>
+            <a:ext cx="4555435" cy="4747452"/>
           </a:xfrm>
           <a:solidFill>
             <a:schemeClr val="bg1"/>
@@ -6153,7 +6819,7 @@
         </p:nvSpPr>
         <p:spPr>
           <a:xfrm>
-            <a:off x="4250635" y="1825624"/>
+            <a:off x="5496339" y="1825625"/>
             <a:ext cx="3141870" cy="4747453"/>
           </a:xfrm>
           <a:prstGeom prst="rect">
@@ -6386,18 +7052,6 @@
                 <a:cs typeface="Courier New" panose="02070309020205020404" pitchFamily="49" charset="0"/>
               </a:rPr>
             </a:br>
-            <a:br>
-              <a:rPr lang="de-DE" sz="1200" dirty="0">
-                <a:latin typeface="Courier New" panose="02070309020205020404" pitchFamily="49" charset="0"/>
-                <a:cs typeface="Courier New" panose="02070309020205020404" pitchFamily="49" charset="0"/>
-              </a:rPr>
-            </a:br>
-            <a:br>
-              <a:rPr lang="de-DE" sz="1200" dirty="0">
-                <a:latin typeface="Courier New" panose="02070309020205020404" pitchFamily="49" charset="0"/>
-                <a:cs typeface="Courier New" panose="02070309020205020404" pitchFamily="49" charset="0"/>
-              </a:rPr>
-            </a:br>
             <a:r>
               <a:rPr lang="de-DE" sz="1200" dirty="0" err="1">
                 <a:latin typeface="Courier New" panose="02070309020205020404" pitchFamily="49" charset="0"/>
@@ -6813,7 +7467,7 @@
         </p:nvSpPr>
         <p:spPr>
           <a:xfrm>
-            <a:off x="7663070" y="1825625"/>
+            <a:off x="8891105" y="1825625"/>
             <a:ext cx="3141870" cy="4747452"/>
           </a:xfrm>
           <a:prstGeom prst="rect">
@@ -7449,6 +8103,530 @@
     <p:extLst>
       <p:ext uri="{BB962C8B-B14F-4D97-AF65-F5344CB8AC3E}">
         <p14:creationId xmlns:p14="http://schemas.microsoft.com/office/powerpoint/2010/main" val="4283123063"/>
+      </p:ext>
+    </p:extLst>
+  </p:cSld>
+  <p:clrMapOvr>
+    <a:masterClrMapping/>
+  </p:clrMapOvr>
+</p:sld>
+</file>
+
+<file path=ppt/slides/slide8.xml><?xml version="1.0" encoding="utf-8"?>
+<p:sld xmlns:a="http://schemas.openxmlformats.org/drawingml/2006/main" xmlns:r="http://schemas.openxmlformats.org/officeDocument/2006/relationships" xmlns:p="http://schemas.openxmlformats.org/presentationml/2006/main">
+  <p:cSld>
+    <p:bg>
+      <p:bgPr>
+        <a:solidFill>
+          <a:schemeClr val="accent5">
+            <a:lumMod val="20000"/>
+            <a:lumOff val="80000"/>
+          </a:schemeClr>
+        </a:solidFill>
+        <a:effectLst/>
+      </p:bgPr>
+    </p:bg>
+    <p:spTree>
+      <p:nvGrpSpPr>
+        <p:cNvPr id="1" name="">
+          <a:extLst>
+            <a:ext uri="{FF2B5EF4-FFF2-40B4-BE49-F238E27FC236}">
+              <a16:creationId xmlns:a16="http://schemas.microsoft.com/office/drawing/2014/main" id="{A78B8737-F304-5417-BFEB-FF45E9BD4219}"/>
+            </a:ext>
+          </a:extLst>
+        </p:cNvPr>
+        <p:cNvGrpSpPr/>
+        <p:nvPr/>
+      </p:nvGrpSpPr>
+      <p:grpSpPr>
+        <a:xfrm>
+          <a:off x="0" y="0"/>
+          <a:ext cx="0" cy="0"/>
+          <a:chOff x="0" y="0"/>
+          <a:chExt cx="0" cy="0"/>
+        </a:xfrm>
+      </p:grpSpPr>
+      <p:sp>
+        <p:nvSpPr>
+          <p:cNvPr id="2" name="Titel 1">
+            <a:extLst>
+              <a:ext uri="{FF2B5EF4-FFF2-40B4-BE49-F238E27FC236}">
+                <a16:creationId xmlns:a16="http://schemas.microsoft.com/office/drawing/2014/main" id="{67210CEC-194C-E982-E46A-D966CAED307F}"/>
+              </a:ext>
+            </a:extLst>
+          </p:cNvPr>
+          <p:cNvSpPr>
+            <a:spLocks noGrp="1"/>
+          </p:cNvSpPr>
+          <p:nvPr>
+            <p:ph type="title"/>
+          </p:nvPr>
+        </p:nvSpPr>
+        <p:spPr/>
+        <p:txBody>
+          <a:bodyPr/>
+          <a:lstStyle/>
+          <a:p>
+            <a:r>
+              <a:rPr lang="de-DE" dirty="0"/>
+              <a:t>Rock Paper </a:t>
+            </a:r>
+            <a:r>
+              <a:rPr lang="de-DE" dirty="0" err="1"/>
+              <a:t>Scissors</a:t>
+            </a:r>
+            <a:r>
+              <a:rPr lang="de-DE" dirty="0"/>
+              <a:t> Game</a:t>
+            </a:r>
+            <a:br>
+              <a:rPr lang="de-DE" dirty="0"/>
+            </a:br>
+            <a:r>
+              <a:rPr lang="de-DE" dirty="0"/>
+              <a:t>Input</a:t>
+            </a:r>
+          </a:p>
+        </p:txBody>
+      </p:sp>
+      <p:sp>
+        <p:nvSpPr>
+          <p:cNvPr id="3" name="Inhaltsplatzhalter 2">
+            <a:extLst>
+              <a:ext uri="{FF2B5EF4-FFF2-40B4-BE49-F238E27FC236}">
+                <a16:creationId xmlns:a16="http://schemas.microsoft.com/office/drawing/2014/main" id="{D3E89025-C195-D84F-C66E-BAA76C00DBC2}"/>
+              </a:ext>
+            </a:extLst>
+          </p:cNvPr>
+          <p:cNvSpPr>
+            <a:spLocks noGrp="1"/>
+          </p:cNvSpPr>
+          <p:nvPr>
+            <p:ph idx="1"/>
+          </p:nvPr>
+        </p:nvSpPr>
+        <p:spPr/>
+        <p:txBody>
+          <a:bodyPr>
+            <a:normAutofit/>
+          </a:bodyPr>
+          <a:lstStyle/>
+          <a:p>
+            <a:r>
+              <a:rPr lang="en-US" dirty="0" err="1"/>
+              <a:t>Benutzereingabe</a:t>
+            </a:r>
+            <a:r>
+              <a:rPr lang="en-US" dirty="0"/>
+              <a:t> </a:t>
+            </a:r>
+            <a:r>
+              <a:rPr lang="en-US" dirty="0" err="1"/>
+              <a:t>über</a:t>
+            </a:r>
+            <a:r>
+              <a:rPr lang="en-US" dirty="0"/>
+              <a:t> </a:t>
+            </a:r>
+            <a:r>
+              <a:rPr lang="en-US" dirty="0" err="1"/>
+              <a:t>Kommandozeilenparameter</a:t>
+            </a:r>
+            <a:r>
+              <a:rPr lang="en-US" dirty="0"/>
+              <a:t> (</a:t>
+            </a:r>
+            <a:r>
+              <a:rPr lang="en-US" dirty="0" err="1"/>
+              <a:t>process.argv</a:t>
+            </a:r>
+            <a:r>
+              <a:rPr lang="en-US" dirty="0"/>
+              <a:t>)</a:t>
+            </a:r>
+          </a:p>
+          <a:p>
+            <a:pPr lvl="1"/>
+            <a:r>
+              <a:rPr lang="en-US" dirty="0" err="1"/>
+              <a:t>Validierung</a:t>
+            </a:r>
+            <a:r>
+              <a:rPr lang="en-US" dirty="0"/>
+              <a:t> der </a:t>
+            </a:r>
+            <a:r>
+              <a:rPr lang="en-US" dirty="0" err="1"/>
+              <a:t>Eingabe</a:t>
+            </a:r>
+            <a:endParaRPr lang="en-US" dirty="0"/>
+          </a:p>
+          <a:p>
+            <a:pPr lvl="2"/>
+            <a:r>
+              <a:rPr lang="en-US" dirty="0" err="1"/>
+              <a:t>Eingabe</a:t>
+            </a:r>
+            <a:r>
+              <a:rPr lang="en-US" dirty="0"/>
+              <a:t> </a:t>
+            </a:r>
+            <a:r>
+              <a:rPr lang="en-US" dirty="0" err="1"/>
+              <a:t>ist</a:t>
+            </a:r>
+            <a:r>
+              <a:rPr lang="en-US" dirty="0"/>
+              <a:t> Zahl </a:t>
+            </a:r>
+            <a:r>
+              <a:rPr lang="en-US" dirty="0" err="1"/>
+              <a:t>zwischen</a:t>
+            </a:r>
+            <a:r>
+              <a:rPr lang="en-US" dirty="0"/>
+              <a:t> 0 und 2</a:t>
+            </a:r>
+          </a:p>
+          <a:p>
+            <a:pPr lvl="2"/>
+            <a:r>
+              <a:rPr lang="en-US" dirty="0" err="1"/>
+              <a:t>Invalide</a:t>
+            </a:r>
+            <a:r>
+              <a:rPr lang="en-US" dirty="0"/>
+              <a:t> </a:t>
+            </a:r>
+            <a:r>
+              <a:rPr lang="en-US" dirty="0" err="1"/>
+              <a:t>Eingaben</a:t>
+            </a:r>
+            <a:r>
+              <a:rPr lang="en-US" dirty="0"/>
+              <a:t> </a:t>
+            </a:r>
+            <a:r>
+              <a:rPr lang="en-US" dirty="0" err="1"/>
+              <a:t>führen</a:t>
+            </a:r>
+            <a:r>
+              <a:rPr lang="en-US" dirty="0"/>
+              <a:t> </a:t>
+            </a:r>
+            <a:r>
+              <a:rPr lang="en-US" dirty="0" err="1"/>
+              <a:t>zum</a:t>
+            </a:r>
+            <a:r>
+              <a:rPr lang="en-US" dirty="0"/>
+              <a:t> </a:t>
+            </a:r>
+            <a:r>
+              <a:rPr lang="en-US" dirty="0" err="1"/>
+              <a:t>Abbruch</a:t>
+            </a:r>
+            <a:r>
+              <a:rPr lang="en-US" dirty="0"/>
+              <a:t> (</a:t>
+            </a:r>
+            <a:r>
+              <a:rPr lang="en-US" dirty="0" err="1"/>
+              <a:t>mit</a:t>
+            </a:r>
+            <a:r>
+              <a:rPr lang="en-US" dirty="0"/>
+              <a:t> </a:t>
+            </a:r>
+            <a:r>
+              <a:rPr lang="en-US" dirty="0" err="1"/>
+              <a:t>Erläuterung</a:t>
+            </a:r>
+            <a:r>
+              <a:rPr lang="en-US" dirty="0"/>
+              <a:t>)</a:t>
+            </a:r>
+          </a:p>
+          <a:p>
+            <a:pPr lvl="1"/>
+            <a:r>
+              <a:rPr lang="en-US" dirty="0" err="1"/>
+              <a:t>Valide</a:t>
+            </a:r>
+            <a:r>
+              <a:rPr lang="en-US" dirty="0"/>
+              <a:t> </a:t>
+            </a:r>
+            <a:r>
+              <a:rPr lang="en-US" dirty="0" err="1"/>
+              <a:t>Eingaben</a:t>
+            </a:r>
+            <a:r>
+              <a:rPr lang="en-US" dirty="0"/>
+              <a:t> </a:t>
+            </a:r>
+            <a:r>
+              <a:rPr lang="en-US" dirty="0" err="1"/>
+              <a:t>werden</a:t>
+            </a:r>
+            <a:r>
+              <a:rPr lang="en-US" dirty="0"/>
+              <a:t> </a:t>
+            </a:r>
+            <a:r>
+              <a:rPr lang="en-US" dirty="0" err="1"/>
+              <a:t>mit</a:t>
+            </a:r>
+            <a:r>
+              <a:rPr lang="en-US" dirty="0"/>
+              <a:t> dem </a:t>
+            </a:r>
+            <a:r>
+              <a:rPr lang="en-US" dirty="0" err="1"/>
+              <a:t>Spielzug</a:t>
+            </a:r>
+            <a:r>
+              <a:rPr lang="en-US" dirty="0"/>
+              <a:t> </a:t>
+            </a:r>
+            <a:r>
+              <a:rPr lang="en-US" dirty="0" err="1"/>
+              <a:t>assoziiert</a:t>
+            </a:r>
+            <a:r>
+              <a:rPr lang="en-US" dirty="0"/>
+              <a:t>.</a:t>
+            </a:r>
+          </a:p>
+          <a:p>
+            <a:r>
+              <a:rPr lang="en-US" dirty="0" err="1"/>
+              <a:t>Automatisierte</a:t>
+            </a:r>
+            <a:r>
+              <a:rPr lang="en-US" dirty="0"/>
+              <a:t> </a:t>
+            </a:r>
+            <a:r>
+              <a:rPr lang="en-US" dirty="0" err="1"/>
+              <a:t>Computer”eingabe</a:t>
+            </a:r>
+            <a:r>
+              <a:rPr lang="en-US" dirty="0"/>
+              <a:t>”</a:t>
+            </a:r>
+          </a:p>
+          <a:p>
+            <a:pPr lvl="1"/>
+            <a:r>
+              <a:rPr lang="en-US" dirty="0" err="1"/>
+              <a:t>Generierung</a:t>
+            </a:r>
+            <a:r>
+              <a:rPr lang="en-US" dirty="0"/>
+              <a:t> </a:t>
+            </a:r>
+            <a:r>
+              <a:rPr lang="en-US" dirty="0" err="1"/>
+              <a:t>Zufalls-Ganzzahl</a:t>
+            </a:r>
+            <a:r>
+              <a:rPr lang="en-US" dirty="0"/>
+              <a:t> </a:t>
+            </a:r>
+            <a:r>
+              <a:rPr lang="en-US" dirty="0" err="1"/>
+              <a:t>zwischen</a:t>
+            </a:r>
+            <a:r>
+              <a:rPr lang="en-US" dirty="0"/>
+              <a:t> 0 und 2</a:t>
+            </a:r>
+          </a:p>
+          <a:p>
+            <a:pPr lvl="1"/>
+            <a:r>
+              <a:rPr lang="en-US" dirty="0" err="1"/>
+              <a:t>Generierte</a:t>
+            </a:r>
+            <a:r>
+              <a:rPr lang="en-US" dirty="0"/>
+              <a:t> </a:t>
+            </a:r>
+            <a:r>
+              <a:rPr lang="en-US" dirty="0" err="1"/>
+              <a:t>Ganzzahl</a:t>
+            </a:r>
+            <a:r>
+              <a:rPr lang="en-US" dirty="0"/>
+              <a:t> </a:t>
+            </a:r>
+            <a:r>
+              <a:rPr lang="en-US" dirty="0" err="1"/>
+              <a:t>wird</a:t>
+            </a:r>
+            <a:r>
+              <a:rPr lang="en-US" dirty="0"/>
+              <a:t> </a:t>
+            </a:r>
+            <a:r>
+              <a:rPr lang="en-US" dirty="0" err="1"/>
+              <a:t>mit</a:t>
+            </a:r>
+            <a:r>
+              <a:rPr lang="en-US" dirty="0"/>
+              <a:t> </a:t>
+            </a:r>
+            <a:r>
+              <a:rPr lang="en-US" dirty="0" err="1"/>
+              <a:t>Spielzug</a:t>
+            </a:r>
+            <a:r>
+              <a:rPr lang="en-US" dirty="0"/>
+              <a:t> </a:t>
+            </a:r>
+            <a:r>
+              <a:rPr lang="en-US" dirty="0" err="1"/>
+              <a:t>assoziiert</a:t>
+            </a:r>
+            <a:r>
+              <a:rPr lang="en-US" dirty="0"/>
+              <a:t>.</a:t>
+            </a:r>
+          </a:p>
+        </p:txBody>
+      </p:sp>
+    </p:spTree>
+    <p:extLst>
+      <p:ext uri="{BB962C8B-B14F-4D97-AF65-F5344CB8AC3E}">
+        <p14:creationId xmlns:p14="http://schemas.microsoft.com/office/powerpoint/2010/main" val="1567313451"/>
+      </p:ext>
+    </p:extLst>
+  </p:cSld>
+  <p:clrMapOvr>
+    <a:masterClrMapping/>
+  </p:clrMapOvr>
+</p:sld>
+</file>
+
+<file path=ppt/slides/slide9.xml><?xml version="1.0" encoding="utf-8"?>
+<p:sld xmlns:a="http://schemas.openxmlformats.org/drawingml/2006/main" xmlns:r="http://schemas.openxmlformats.org/officeDocument/2006/relationships" xmlns:p="http://schemas.openxmlformats.org/presentationml/2006/main">
+  <p:cSld>
+    <p:bg>
+      <p:bgPr>
+        <a:solidFill>
+          <a:schemeClr val="accent5">
+            <a:lumMod val="20000"/>
+            <a:lumOff val="80000"/>
+          </a:schemeClr>
+        </a:solidFill>
+        <a:effectLst/>
+      </p:bgPr>
+    </p:bg>
+    <p:spTree>
+      <p:nvGrpSpPr>
+        <p:cNvPr id="1" name="">
+          <a:extLst>
+            <a:ext uri="{FF2B5EF4-FFF2-40B4-BE49-F238E27FC236}">
+              <a16:creationId xmlns:a16="http://schemas.microsoft.com/office/drawing/2014/main" id="{40B5A9CF-E5D6-E6CF-657B-5C76949499B2}"/>
+            </a:ext>
+          </a:extLst>
+        </p:cNvPr>
+        <p:cNvGrpSpPr/>
+        <p:nvPr/>
+      </p:nvGrpSpPr>
+      <p:grpSpPr>
+        <a:xfrm>
+          <a:off x="0" y="0"/>
+          <a:ext cx="0" cy="0"/>
+          <a:chOff x="0" y="0"/>
+          <a:chExt cx="0" cy="0"/>
+        </a:xfrm>
+      </p:grpSpPr>
+      <p:sp>
+        <p:nvSpPr>
+          <p:cNvPr id="2" name="Titel 1">
+            <a:extLst>
+              <a:ext uri="{FF2B5EF4-FFF2-40B4-BE49-F238E27FC236}">
+                <a16:creationId xmlns:a16="http://schemas.microsoft.com/office/drawing/2014/main" id="{1010B4AF-A123-5C86-10F7-443513EF6CA9}"/>
+              </a:ext>
+            </a:extLst>
+          </p:cNvPr>
+          <p:cNvSpPr>
+            <a:spLocks noGrp="1"/>
+          </p:cNvSpPr>
+          <p:nvPr>
+            <p:ph type="title"/>
+          </p:nvPr>
+        </p:nvSpPr>
+        <p:spPr/>
+        <p:txBody>
+          <a:bodyPr/>
+          <a:lstStyle/>
+          <a:p>
+            <a:r>
+              <a:rPr lang="de-DE" dirty="0"/>
+              <a:t>Rock Paper </a:t>
+            </a:r>
+            <a:r>
+              <a:rPr lang="de-DE" dirty="0" err="1"/>
+              <a:t>Scissors</a:t>
+            </a:r>
+            <a:r>
+              <a:rPr lang="de-DE" dirty="0"/>
+              <a:t> Game</a:t>
+            </a:r>
+            <a:br>
+              <a:rPr lang="de-DE" dirty="0"/>
+            </a:br>
+            <a:r>
+              <a:rPr lang="de-DE" dirty="0"/>
+              <a:t>Input Code</a:t>
+            </a:r>
+          </a:p>
+        </p:txBody>
+      </p:sp>
+      <p:sp>
+        <p:nvSpPr>
+          <p:cNvPr id="3" name="Inhaltsplatzhalter 2">
+            <a:extLst>
+              <a:ext uri="{FF2B5EF4-FFF2-40B4-BE49-F238E27FC236}">
+                <a16:creationId xmlns:a16="http://schemas.microsoft.com/office/drawing/2014/main" id="{8DD12C6D-C218-0ADC-E50C-BFD6131EE5AE}"/>
+              </a:ext>
+            </a:extLst>
+          </p:cNvPr>
+          <p:cNvSpPr>
+            <a:spLocks noGrp="1"/>
+          </p:cNvSpPr>
+          <p:nvPr>
+            <p:ph idx="1"/>
+          </p:nvPr>
+        </p:nvSpPr>
+        <p:spPr>
+          <a:solidFill>
+            <a:schemeClr val="bg1"/>
+          </a:solidFill>
+        </p:spPr>
+        <p:txBody>
+          <a:bodyPr lIns="180000" tIns="216000" rIns="180000">
+            <a:normAutofit/>
+          </a:bodyPr>
+          <a:lstStyle/>
+          <a:p>
+            <a:pPr marL="0" indent="0">
+              <a:buNone/>
+            </a:pPr>
+            <a:endParaRPr lang="en-US" dirty="0">
+              <a:latin typeface="Courier New" panose="02070309020205020404" pitchFamily="49" charset="0"/>
+              <a:cs typeface="Courier New" panose="02070309020205020404" pitchFamily="49" charset="0"/>
+            </a:endParaRPr>
+          </a:p>
+        </p:txBody>
+      </p:sp>
+    </p:spTree>
+    <p:extLst>
+      <p:ext uri="{BB962C8B-B14F-4D97-AF65-F5344CB8AC3E}">
+        <p14:creationId xmlns:p14="http://schemas.microsoft.com/office/powerpoint/2010/main" val="2699471223"/>
       </p:ext>
     </p:extLst>
   </p:cSld>
